--- a/Etude_de_marché DDT.pptx
+++ b/Etude_de_marché DDT.pptx
@@ -255,7 +255,7 @@
             <a:pPr rtl="0"/>
             <a:fld id="{C267DB71-DB19-4AF0-9D82-D75B6B130E06}" type="datetime1">
               <a:rPr lang="fr-FR" smtClean="0"/>
-              <a:t>11/02/2025</a:t>
+              <a:t>19/02/2025</a:t>
             </a:fld>
             <a:endParaRPr lang="fr-FR"/>
           </a:p>
@@ -437,7 +437,7 @@
             <a:fld id="{C92F39E9-50F1-4AFC-B15A-332AA8C30EAE}" type="datetime1">
               <a:rPr lang="fr-FR" smtClean="0"/>
               <a:pPr/>
-              <a:t>11/02/2025</a:t>
+              <a:t>19/02/2025</a:t>
             </a:fld>
             <a:endParaRPr lang="fr-FR" dirty="0"/>
           </a:p>
@@ -13463,7 +13463,7 @@
         </p:nvSpPr>
         <p:spPr>
           <a:xfrm>
-            <a:off x="2380421" y="3168729"/>
+            <a:off x="2380421" y="3020445"/>
             <a:ext cx="4709806" cy="260271"/>
           </a:xfrm>
           <a:prstGeom prst="rect">
@@ -16164,24 +16164,6 @@
 </file>
 
 <file path=customXml/item1.xml><?xml version="1.0" encoding="utf-8"?>
-<p:properties xmlns:p="http://schemas.microsoft.com/office/2006/metadata/properties" xmlns:xsi="http://www.w3.org/2001/XMLSchema-instance" xmlns:pc="http://schemas.microsoft.com/office/infopath/2007/PartnerControls">
-  <documentManagement>
-    <Status xmlns="71af3243-3dd4-4a8d-8c0d-dd76da1f02a5">Not started</Status>
-    <MediaServiceKeyPoints xmlns="71af3243-3dd4-4a8d-8c0d-dd76da1f02a5" xsi:nil="true"/>
-  </documentManagement>
-</p:properties>
-</file>
-
-<file path=customXml/item2.xml><?xml version="1.0" encoding="utf-8"?>
-<?mso-contentType ?>
-<FormTemplates xmlns="http://schemas.microsoft.com/sharepoint/v3/contenttype/forms">
-  <Display>DocumentLibraryForm</Display>
-  <Edit>DocumentLibraryForm</Edit>
-  <New>DocumentLibraryForm</New>
-</FormTemplates>
-</file>
-
-<file path=customXml/item3.xml><?xml version="1.0" encoding="utf-8"?>
 <ct:contentTypeSchema xmlns:ct="http://schemas.microsoft.com/office/2006/metadata/contentType" xmlns:ma="http://schemas.microsoft.com/office/2006/metadata/properties/metaAttributes" ct:_="" ma:_="" ma:contentTypeName="Document" ma:contentTypeID="0x01010079F111ED35F8CC479449609E8A0923A6" ma:contentTypeVersion="12" ma:contentTypeDescription="Create a new document." ma:contentTypeScope="" ma:versionID="426e97fa315356fffbdcd9876fe988c2">
   <xsd:schema xmlns:xsd="http://www.w3.org/2001/XMLSchema" xmlns:xs="http://www.w3.org/2001/XMLSchema" xmlns:p="http://schemas.microsoft.com/office/2006/metadata/properties" xmlns:ns2="71af3243-3dd4-4a8d-8c0d-dd76da1f02a5" xmlns:ns3="16c05727-aa75-4e4a-9b5f-8a80a1165891" targetNamespace="http://schemas.microsoft.com/office/2006/metadata/properties" ma:root="true" ma:fieldsID="14b8f0def80e6d70ce3def20c90759ae" ns2:_="" ns3:_="">
     <xsd:import namespace="71af3243-3dd4-4a8d-8c0d-dd76da1f02a5"/>
@@ -16402,25 +16384,25 @@
 </ct:contentTypeSchema>
 </file>
 
-<file path=customXml/itemProps1.xml><?xml version="1.0" encoding="utf-8"?>
-<ds:datastoreItem xmlns:ds="http://schemas.openxmlformats.org/officeDocument/2006/customXml" ds:itemID="{4DEA9014-ED64-4558-B1E1-D03F0EE32BEB}">
-  <ds:schemaRefs>
-    <ds:schemaRef ds:uri="http://schemas.microsoft.com/office/2006/metadata/properties"/>
-    <ds:schemaRef ds:uri="http://schemas.microsoft.com/office/infopath/2007/PartnerControls"/>
-    <ds:schemaRef ds:uri="71af3243-3dd4-4a8d-8c0d-dd76da1f02a5"/>
-  </ds:schemaRefs>
-</ds:datastoreItem>
+<file path=customXml/item2.xml><?xml version="1.0" encoding="utf-8"?>
+<?mso-contentType ?>
+<FormTemplates xmlns="http://schemas.microsoft.com/sharepoint/v3/contenttype/forms">
+  <Display>DocumentLibraryForm</Display>
+  <Edit>DocumentLibraryForm</Edit>
+  <New>DocumentLibraryForm</New>
+</FormTemplates>
 </file>
 
-<file path=customXml/itemProps2.xml><?xml version="1.0" encoding="utf-8"?>
-<ds:datastoreItem xmlns:ds="http://schemas.openxmlformats.org/officeDocument/2006/customXml" ds:itemID="{05D99ABA-76CE-4A8E-B5F0-C051B96628DE}">
-  <ds:schemaRefs>
-    <ds:schemaRef ds:uri="http://schemas.microsoft.com/sharepoint/v3/contenttype/forms"/>
-  </ds:schemaRefs>
-</ds:datastoreItem>
+<file path=customXml/item3.xml><?xml version="1.0" encoding="utf-8"?>
+<p:properties xmlns:p="http://schemas.microsoft.com/office/2006/metadata/properties" xmlns:xsi="http://www.w3.org/2001/XMLSchema-instance" xmlns:pc="http://schemas.microsoft.com/office/infopath/2007/PartnerControls">
+  <documentManagement>
+    <Status xmlns="71af3243-3dd4-4a8d-8c0d-dd76da1f02a5">Not started</Status>
+    <MediaServiceKeyPoints xmlns="71af3243-3dd4-4a8d-8c0d-dd76da1f02a5" xsi:nil="true"/>
+  </documentManagement>
+</p:properties>
 </file>
 
-<file path=customXml/itemProps3.xml><?xml version="1.0" encoding="utf-8"?>
+<file path=customXml/itemProps1.xml><?xml version="1.0" encoding="utf-8"?>
 <ds:datastoreItem xmlns:ds="http://schemas.openxmlformats.org/officeDocument/2006/customXml" ds:itemID="{B19EB750-A6DA-4BE8-B87B-FC499FE73360}">
   <ds:schemaRefs>
     <ds:schemaRef ds:uri="http://schemas.microsoft.com/office/2006/metadata/contentType"/>
@@ -16437,4 +16419,22 @@
     <ds:schemaRef ds:uri="http://schemas.microsoft.com/internal/obd"/>
   </ds:schemaRefs>
 </ds:datastoreItem>
+</file>
+
+<file path=customXml/itemProps2.xml><?xml version="1.0" encoding="utf-8"?>
+<ds:datastoreItem xmlns:ds="http://schemas.openxmlformats.org/officeDocument/2006/customXml" ds:itemID="{05D99ABA-76CE-4A8E-B5F0-C051B96628DE}">
+  <ds:schemaRefs>
+    <ds:schemaRef ds:uri="http://schemas.microsoft.com/sharepoint/v3/contenttype/forms"/>
+  </ds:schemaRefs>
+</ds:datastoreItem>
+</file>
+
+<file path=customXml/itemProps3.xml><?xml version="1.0" encoding="utf-8"?>
+<ds:datastoreItem xmlns:ds="http://schemas.openxmlformats.org/officeDocument/2006/customXml" ds:itemID="{4DEA9014-ED64-4558-B1E1-D03F0EE32BEB}">
+  <ds:schemaRefs>
+    <ds:schemaRef ds:uri="http://schemas.microsoft.com/office/2006/metadata/properties"/>
+    <ds:schemaRef ds:uri="http://schemas.microsoft.com/office/infopath/2007/PartnerControls"/>
+    <ds:schemaRef ds:uri="71af3243-3dd4-4a8d-8c0d-dd76da1f02a5"/>
+  </ds:schemaRefs>
+</ds:datastoreItem>
 </file>